--- a/base.pptx
+++ b/base.pptx
@@ -64,7 +64,7 @@
         <p:spPr>
           <a:xfrm>
             <a:off x="1620000" y="216000"/>
-            <a:ext cx="8099640" cy="935640"/>
+            <a:ext cx="8099280" cy="935280"/>
           </a:xfrm>
           <a:prstGeom prst="rect">
             <a:avLst/>
@@ -99,7 +99,7 @@
         <p:spPr>
           <a:xfrm>
             <a:off x="2129400" y="2743200"/>
-            <a:ext cx="9072000" cy="1568520"/>
+            <a:ext cx="9071640" cy="1568160"/>
           </a:xfrm>
           <a:prstGeom prst="rect">
             <a:avLst/>
@@ -132,8 +132,8 @@
         </p:nvSpPr>
         <p:spPr>
           <a:xfrm>
-            <a:off x="2129400" y="4461120"/>
-            <a:ext cx="9072000" cy="1568520"/>
+            <a:off x="2129400" y="4460760"/>
+            <a:ext cx="9071640" cy="1568160"/>
           </a:xfrm>
           <a:prstGeom prst="rect">
             <a:avLst/>
@@ -189,7 +189,7 @@
         <p:spPr>
           <a:xfrm>
             <a:off x="1620000" y="216000"/>
-            <a:ext cx="8099640" cy="935640"/>
+            <a:ext cx="8099280" cy="935280"/>
           </a:xfrm>
           <a:prstGeom prst="rect">
             <a:avLst/>
@@ -224,7 +224,7 @@
         <p:spPr>
           <a:xfrm>
             <a:off x="2129400" y="2743200"/>
-            <a:ext cx="4426920" cy="1568520"/>
+            <a:ext cx="4426920" cy="1568160"/>
           </a:xfrm>
           <a:prstGeom prst="rect">
             <a:avLst/>
@@ -258,7 +258,7 @@
         <p:spPr>
           <a:xfrm>
             <a:off x="6778080" y="2743200"/>
-            <a:ext cx="4426920" cy="1568520"/>
+            <a:ext cx="4426920" cy="1568160"/>
           </a:xfrm>
           <a:prstGeom prst="rect">
             <a:avLst/>
@@ -291,8 +291,8 @@
         </p:nvSpPr>
         <p:spPr>
           <a:xfrm>
-            <a:off x="2129400" y="4461120"/>
-            <a:ext cx="4426920" cy="1568520"/>
+            <a:off x="2129400" y="4460760"/>
+            <a:ext cx="4426920" cy="1568160"/>
           </a:xfrm>
           <a:prstGeom prst="rect">
             <a:avLst/>
@@ -325,8 +325,8 @@
         </p:nvSpPr>
         <p:spPr>
           <a:xfrm>
-            <a:off x="6778080" y="4461120"/>
-            <a:ext cx="4426920" cy="1568520"/>
+            <a:off x="6778080" y="4460760"/>
+            <a:ext cx="4426920" cy="1568160"/>
           </a:xfrm>
           <a:prstGeom prst="rect">
             <a:avLst/>
@@ -382,7 +382,7 @@
         <p:spPr>
           <a:xfrm>
             <a:off x="1620000" y="216000"/>
-            <a:ext cx="8099640" cy="935640"/>
+            <a:ext cx="8099280" cy="935280"/>
           </a:xfrm>
           <a:prstGeom prst="rect">
             <a:avLst/>
@@ -417,7 +417,7 @@
         <p:spPr>
           <a:xfrm>
             <a:off x="2129400" y="2743200"/>
-            <a:ext cx="2921040" cy="1568520"/>
+            <a:ext cx="2920680" cy="1568160"/>
           </a:xfrm>
           <a:prstGeom prst="rect">
             <a:avLst/>
@@ -450,8 +450,8 @@
         </p:nvSpPr>
         <p:spPr>
           <a:xfrm>
-            <a:off x="5196960" y="2743200"/>
-            <a:ext cx="2921040" cy="1568520"/>
+            <a:off x="5196600" y="2743200"/>
+            <a:ext cx="2920680" cy="1568160"/>
           </a:xfrm>
           <a:prstGeom prst="rect">
             <a:avLst/>
@@ -484,8 +484,8 @@
         </p:nvSpPr>
         <p:spPr>
           <a:xfrm>
-            <a:off x="8264520" y="2743200"/>
-            <a:ext cx="2921040" cy="1568520"/>
+            <a:off x="8263440" y="2743200"/>
+            <a:ext cx="2920680" cy="1568160"/>
           </a:xfrm>
           <a:prstGeom prst="rect">
             <a:avLst/>
@@ -518,8 +518,8 @@
         </p:nvSpPr>
         <p:spPr>
           <a:xfrm>
-            <a:off x="2129400" y="4461120"/>
-            <a:ext cx="2921040" cy="1568520"/>
+            <a:off x="2129400" y="4460760"/>
+            <a:ext cx="2920680" cy="1568160"/>
           </a:xfrm>
           <a:prstGeom prst="rect">
             <a:avLst/>
@@ -552,8 +552,8 @@
         </p:nvSpPr>
         <p:spPr>
           <a:xfrm>
-            <a:off x="5196960" y="4461120"/>
-            <a:ext cx="2921040" cy="1568520"/>
+            <a:off x="5196600" y="4460760"/>
+            <a:ext cx="2920680" cy="1568160"/>
           </a:xfrm>
           <a:prstGeom prst="rect">
             <a:avLst/>
@@ -586,8 +586,8 @@
         </p:nvSpPr>
         <p:spPr>
           <a:xfrm>
-            <a:off x="8264520" y="4461120"/>
-            <a:ext cx="2921040" cy="1568520"/>
+            <a:off x="8263440" y="4460760"/>
+            <a:ext cx="2920680" cy="1568160"/>
           </a:xfrm>
           <a:prstGeom prst="rect">
             <a:avLst/>
@@ -643,7 +643,7 @@
         <p:spPr>
           <a:xfrm>
             <a:off x="1620000" y="216000"/>
-            <a:ext cx="8099640" cy="935640"/>
+            <a:ext cx="8099280" cy="935280"/>
           </a:xfrm>
           <a:prstGeom prst="rect">
             <a:avLst/>
@@ -678,7 +678,7 @@
         <p:spPr>
           <a:xfrm>
             <a:off x="2129400" y="2743200"/>
-            <a:ext cx="9072000" cy="3288600"/>
+            <a:ext cx="9071640" cy="3288240"/>
           </a:xfrm>
           <a:prstGeom prst="rect">
             <a:avLst/>
@@ -735,7 +735,7 @@
         <p:spPr>
           <a:xfrm>
             <a:off x="1620000" y="216000"/>
-            <a:ext cx="8099640" cy="935640"/>
+            <a:ext cx="8099280" cy="935280"/>
           </a:xfrm>
           <a:prstGeom prst="rect">
             <a:avLst/>
@@ -770,7 +770,7 @@
         <p:spPr>
           <a:xfrm>
             <a:off x="2129400" y="2743200"/>
-            <a:ext cx="9072000" cy="3288600"/>
+            <a:ext cx="9071640" cy="3288240"/>
           </a:xfrm>
           <a:prstGeom prst="rect">
             <a:avLst/>
@@ -826,7 +826,7 @@
         <p:spPr>
           <a:xfrm>
             <a:off x="1620000" y="216000"/>
-            <a:ext cx="8099640" cy="935640"/>
+            <a:ext cx="8099280" cy="935280"/>
           </a:xfrm>
           <a:prstGeom prst="rect">
             <a:avLst/>
@@ -861,7 +861,7 @@
         <p:spPr>
           <a:xfrm>
             <a:off x="2129400" y="2743200"/>
-            <a:ext cx="4426920" cy="3288600"/>
+            <a:ext cx="4426920" cy="3288240"/>
           </a:xfrm>
           <a:prstGeom prst="rect">
             <a:avLst/>
@@ -895,7 +895,7 @@
         <p:spPr>
           <a:xfrm>
             <a:off x="6778080" y="2743200"/>
-            <a:ext cx="4426920" cy="3288600"/>
+            <a:ext cx="4426920" cy="3288240"/>
           </a:xfrm>
           <a:prstGeom prst="rect">
             <a:avLst/>
@@ -951,7 +951,7 @@
         <p:spPr>
           <a:xfrm>
             <a:off x="1620000" y="216000"/>
-            <a:ext cx="8099640" cy="935640"/>
+            <a:ext cx="8099280" cy="935280"/>
           </a:xfrm>
           <a:prstGeom prst="rect">
             <a:avLst/>
@@ -1008,7 +1008,7 @@
         <p:spPr>
           <a:xfrm>
             <a:off x="1620000" y="216000"/>
-            <a:ext cx="8099640" cy="4338360"/>
+            <a:ext cx="8099280" cy="4336560"/>
           </a:xfrm>
           <a:prstGeom prst="rect">
             <a:avLst/>
@@ -1065,7 +1065,7 @@
         <p:spPr>
           <a:xfrm>
             <a:off x="1620000" y="216000"/>
-            <a:ext cx="8099640" cy="935640"/>
+            <a:ext cx="8099280" cy="935280"/>
           </a:xfrm>
           <a:prstGeom prst="rect">
             <a:avLst/>
@@ -1100,7 +1100,7 @@
         <p:spPr>
           <a:xfrm>
             <a:off x="2129400" y="2743200"/>
-            <a:ext cx="4426920" cy="1568520"/>
+            <a:ext cx="4426920" cy="1568160"/>
           </a:xfrm>
           <a:prstGeom prst="rect">
             <a:avLst/>
@@ -1134,7 +1134,7 @@
         <p:spPr>
           <a:xfrm>
             <a:off x="6778080" y="2743200"/>
-            <a:ext cx="4426920" cy="3288600"/>
+            <a:ext cx="4426920" cy="3288240"/>
           </a:xfrm>
           <a:prstGeom prst="rect">
             <a:avLst/>
@@ -1167,8 +1167,8 @@
         </p:nvSpPr>
         <p:spPr>
           <a:xfrm>
-            <a:off x="2129400" y="4461120"/>
-            <a:ext cx="4426920" cy="1568520"/>
+            <a:off x="2129400" y="4460760"/>
+            <a:ext cx="4426920" cy="1568160"/>
           </a:xfrm>
           <a:prstGeom prst="rect">
             <a:avLst/>
@@ -1224,7 +1224,7 @@
         <p:spPr>
           <a:xfrm>
             <a:off x="1620000" y="216000"/>
-            <a:ext cx="8099640" cy="935640"/>
+            <a:ext cx="8099280" cy="935280"/>
           </a:xfrm>
           <a:prstGeom prst="rect">
             <a:avLst/>
@@ -1259,7 +1259,7 @@
         <p:spPr>
           <a:xfrm>
             <a:off x="2129400" y="2743200"/>
-            <a:ext cx="4426920" cy="3288600"/>
+            <a:ext cx="4426920" cy="3288240"/>
           </a:xfrm>
           <a:prstGeom prst="rect">
             <a:avLst/>
@@ -1293,7 +1293,7 @@
         <p:spPr>
           <a:xfrm>
             <a:off x="6778080" y="2743200"/>
-            <a:ext cx="4426920" cy="1568520"/>
+            <a:ext cx="4426920" cy="1568160"/>
           </a:xfrm>
           <a:prstGeom prst="rect">
             <a:avLst/>
@@ -1326,8 +1326,8 @@
         </p:nvSpPr>
         <p:spPr>
           <a:xfrm>
-            <a:off x="6778080" y="4461120"/>
-            <a:ext cx="4426920" cy="1568520"/>
+            <a:off x="6778080" y="4460760"/>
+            <a:ext cx="4426920" cy="1568160"/>
           </a:xfrm>
           <a:prstGeom prst="rect">
             <a:avLst/>
@@ -1383,7 +1383,7 @@
         <p:spPr>
           <a:xfrm>
             <a:off x="1620000" y="216000"/>
-            <a:ext cx="8099640" cy="935640"/>
+            <a:ext cx="8099280" cy="935280"/>
           </a:xfrm>
           <a:prstGeom prst="rect">
             <a:avLst/>
@@ -1418,7 +1418,7 @@
         <p:spPr>
           <a:xfrm>
             <a:off x="2129400" y="2743200"/>
-            <a:ext cx="4426920" cy="1568520"/>
+            <a:ext cx="4426920" cy="1568160"/>
           </a:xfrm>
           <a:prstGeom prst="rect">
             <a:avLst/>
@@ -1452,7 +1452,7 @@
         <p:spPr>
           <a:xfrm>
             <a:off x="6778080" y="2743200"/>
-            <a:ext cx="4426920" cy="1568520"/>
+            <a:ext cx="4426920" cy="1568160"/>
           </a:xfrm>
           <a:prstGeom prst="rect">
             <a:avLst/>
@@ -1485,8 +1485,8 @@
         </p:nvSpPr>
         <p:spPr>
           <a:xfrm>
-            <a:off x="2129400" y="4461120"/>
-            <a:ext cx="9072000" cy="1568520"/>
+            <a:off x="2129400" y="4460760"/>
+            <a:ext cx="9071640" cy="1568160"/>
           </a:xfrm>
           <a:prstGeom prst="rect">
             <a:avLst/>
@@ -1538,7 +1538,7 @@
         <p:spPr>
           <a:xfrm>
             <a:off x="540000" y="306360"/>
-            <a:ext cx="720000" cy="360"/>
+            <a:ext cx="719640" cy="360"/>
           </a:xfrm>
           <a:custGeom>
             <a:avLst/>
@@ -1580,7 +1580,7 @@
         <p:spPr>
           <a:xfrm>
             <a:off x="720000" y="486360"/>
-            <a:ext cx="360000" cy="360"/>
+            <a:ext cx="359640" cy="360"/>
           </a:xfrm>
           <a:custGeom>
             <a:avLst/>
@@ -1622,7 +1622,7 @@
         <p:spPr>
           <a:xfrm>
             <a:off x="864000" y="702360"/>
-            <a:ext cx="72000" cy="360"/>
+            <a:ext cx="71640" cy="360"/>
           </a:xfrm>
           <a:custGeom>
             <a:avLst/>
@@ -1664,7 +1664,7 @@
         <p:spPr>
           <a:xfrm>
             <a:off x="720000" y="126360"/>
-            <a:ext cx="360000" cy="360"/>
+            <a:ext cx="359640" cy="360"/>
           </a:xfrm>
           <a:custGeom>
             <a:avLst/>
@@ -1685,7 +1685,7 @@
           <a:noFill/>
           <a:ln w="18000">
             <a:solidFill>
-              <a:srgbClr val="2a6099"/>
+              <a:srgbClr val="000000"/>
             </a:solidFill>
             <a:round/>
           </a:ln>
@@ -1706,7 +1706,7 @@
         <p:spPr>
           <a:xfrm>
             <a:off x="864000" y="954360"/>
-            <a:ext cx="72000" cy="360"/>
+            <a:ext cx="71640" cy="360"/>
           </a:xfrm>
           <a:custGeom>
             <a:avLst/>
@@ -1747,8 +1747,8 @@
         </p:nvSpPr>
         <p:spPr>
           <a:xfrm flipH="1">
-            <a:off x="540000" y="1350360"/>
-            <a:ext cx="720000" cy="360"/>
+            <a:off x="539280" y="1350360"/>
+            <a:ext cx="719640" cy="360"/>
           </a:xfrm>
           <a:custGeom>
             <a:avLst/>
@@ -1789,8 +1789,8 @@
         </p:nvSpPr>
         <p:spPr>
           <a:xfrm flipH="1">
-            <a:off x="720000" y="1170360"/>
-            <a:ext cx="360000" cy="360"/>
+            <a:off x="719280" y="1170360"/>
+            <a:ext cx="359640" cy="360"/>
           </a:xfrm>
           <a:custGeom>
             <a:avLst/>
@@ -1831,8 +1831,8 @@
         </p:nvSpPr>
         <p:spPr>
           <a:xfrm flipH="1">
-            <a:off x="720000" y="1530360"/>
-            <a:ext cx="360000" cy="360"/>
+            <a:off x="719280" y="1530360"/>
+            <a:ext cx="359640" cy="360"/>
           </a:xfrm>
           <a:custGeom>
             <a:avLst/>
@@ -1873,8 +1873,8 @@
         </p:nvSpPr>
         <p:spPr>
           <a:xfrm flipH="1">
-            <a:off x="864000" y="1746360"/>
-            <a:ext cx="72000" cy="360"/>
+            <a:off x="863280" y="1746360"/>
+            <a:ext cx="71640" cy="360"/>
           </a:xfrm>
           <a:custGeom>
             <a:avLst/>
@@ -1915,8 +1915,8 @@
         </p:nvSpPr>
         <p:spPr>
           <a:xfrm flipH="1">
-            <a:off x="864000" y="1998360"/>
-            <a:ext cx="72000" cy="360"/>
+            <a:off x="863280" y="1998360"/>
+            <a:ext cx="71640" cy="360"/>
           </a:xfrm>
           <a:custGeom>
             <a:avLst/>
@@ -1958,7 +1958,7 @@
         <p:spPr>
           <a:xfrm>
             <a:off x="540000" y="2394360"/>
-            <a:ext cx="720000" cy="360"/>
+            <a:ext cx="719640" cy="360"/>
           </a:xfrm>
           <a:custGeom>
             <a:avLst/>
@@ -2000,7 +2000,7 @@
         <p:spPr>
           <a:xfrm>
             <a:off x="720000" y="2214360"/>
-            <a:ext cx="360000" cy="360"/>
+            <a:ext cx="359640" cy="360"/>
           </a:xfrm>
           <a:custGeom>
             <a:avLst/>
@@ -2042,7 +2042,7 @@
         <p:spPr>
           <a:xfrm>
             <a:off x="720000" y="2583720"/>
-            <a:ext cx="360000" cy="360"/>
+            <a:ext cx="359640" cy="360"/>
           </a:xfrm>
           <a:custGeom>
             <a:avLst/>
@@ -2084,7 +2084,7 @@
         <p:spPr>
           <a:xfrm>
             <a:off x="864000" y="2799720"/>
-            <a:ext cx="72000" cy="360"/>
+            <a:ext cx="71640" cy="360"/>
           </a:xfrm>
           <a:custGeom>
             <a:avLst/>
@@ -2126,7 +2126,7 @@
         <p:spPr>
           <a:xfrm>
             <a:off x="864000" y="3051720"/>
-            <a:ext cx="72000" cy="360"/>
+            <a:ext cx="71640" cy="360"/>
           </a:xfrm>
           <a:custGeom>
             <a:avLst/>
@@ -2167,8 +2167,8 @@
         </p:nvSpPr>
         <p:spPr>
           <a:xfrm flipH="1">
-            <a:off x="540000" y="3447720"/>
-            <a:ext cx="720000" cy="360"/>
+            <a:off x="539280" y="3447720"/>
+            <a:ext cx="719640" cy="360"/>
           </a:xfrm>
           <a:custGeom>
             <a:avLst/>
@@ -2209,8 +2209,8 @@
         </p:nvSpPr>
         <p:spPr>
           <a:xfrm flipH="1">
-            <a:off x="738720" y="3267720"/>
-            <a:ext cx="360000" cy="360"/>
+            <a:off x="738000" y="3267720"/>
+            <a:ext cx="359640" cy="360"/>
           </a:xfrm>
           <a:custGeom>
             <a:avLst/>
@@ -2251,8 +2251,8 @@
         </p:nvSpPr>
         <p:spPr>
           <a:xfrm flipH="1">
-            <a:off x="729360" y="3636720"/>
-            <a:ext cx="360000" cy="360"/>
+            <a:off x="728640" y="3636720"/>
+            <a:ext cx="359640" cy="360"/>
           </a:xfrm>
           <a:custGeom>
             <a:avLst/>
@@ -2293,8 +2293,8 @@
         </p:nvSpPr>
         <p:spPr>
           <a:xfrm flipH="1">
-            <a:off x="873360" y="3852720"/>
-            <a:ext cx="72000" cy="360"/>
+            <a:off x="872640" y="3852720"/>
+            <a:ext cx="71640" cy="360"/>
           </a:xfrm>
           <a:custGeom>
             <a:avLst/>
@@ -2335,8 +2335,8 @@
         </p:nvSpPr>
         <p:spPr>
           <a:xfrm flipH="1">
-            <a:off x="873360" y="4104720"/>
-            <a:ext cx="72000" cy="360"/>
+            <a:off x="872640" y="4104720"/>
+            <a:ext cx="71640" cy="360"/>
           </a:xfrm>
           <a:custGeom>
             <a:avLst/>
@@ -2378,7 +2378,7 @@
         <p:spPr>
           <a:xfrm>
             <a:off x="549360" y="4500720"/>
-            <a:ext cx="720000" cy="360"/>
+            <a:ext cx="719640" cy="360"/>
           </a:xfrm>
           <a:custGeom>
             <a:avLst/>
@@ -2420,7 +2420,7 @@
         <p:spPr>
           <a:xfrm>
             <a:off x="729360" y="4320720"/>
-            <a:ext cx="360000" cy="360"/>
+            <a:ext cx="359640" cy="360"/>
           </a:xfrm>
           <a:custGeom>
             <a:avLst/>
@@ -2462,7 +2462,7 @@
         <p:spPr>
           <a:xfrm>
             <a:off x="729360" y="4680720"/>
-            <a:ext cx="360000" cy="360"/>
+            <a:ext cx="359640" cy="360"/>
           </a:xfrm>
           <a:custGeom>
             <a:avLst/>
@@ -2504,7 +2504,7 @@
         <p:spPr>
           <a:xfrm>
             <a:off x="873360" y="4896720"/>
-            <a:ext cx="72000" cy="360"/>
+            <a:ext cx="71640" cy="360"/>
           </a:xfrm>
           <a:custGeom>
             <a:avLst/>
@@ -2546,7 +2546,7 @@
         <p:spPr>
           <a:xfrm>
             <a:off x="873360" y="5148720"/>
-            <a:ext cx="72000" cy="360"/>
+            <a:ext cx="71640" cy="360"/>
           </a:xfrm>
           <a:custGeom>
             <a:avLst/>
@@ -2587,8 +2587,8 @@
         </p:nvSpPr>
         <p:spPr>
           <a:xfrm flipH="1">
-            <a:off x="549360" y="5544720"/>
-            <a:ext cx="720000" cy="360"/>
+            <a:off x="548640" y="5544720"/>
+            <a:ext cx="719640" cy="360"/>
           </a:xfrm>
           <a:custGeom>
             <a:avLst/>
@@ -2629,8 +2629,8 @@
         </p:nvSpPr>
         <p:spPr>
           <a:xfrm flipH="1">
-            <a:off x="729360" y="5364720"/>
-            <a:ext cx="360000" cy="360"/>
+            <a:off x="728640" y="5364720"/>
+            <a:ext cx="359640" cy="360"/>
           </a:xfrm>
           <a:custGeom>
             <a:avLst/>
@@ -2672,7 +2672,7 @@
         <p:spPr>
           <a:xfrm>
             <a:off x="1260000" y="216360"/>
-            <a:ext cx="179640" cy="179640"/>
+            <a:ext cx="179280" cy="179280"/>
           </a:xfrm>
           <a:prstGeom prst="ellipse">
             <a:avLst/>
@@ -2703,7 +2703,7 @@
         <p:spPr>
           <a:xfrm>
             <a:off x="1080000" y="396360"/>
-            <a:ext cx="179640" cy="179640"/>
+            <a:ext cx="179280" cy="179280"/>
           </a:xfrm>
           <a:prstGeom prst="ellipse">
             <a:avLst/>
@@ -2734,7 +2734,7 @@
         <p:spPr>
           <a:xfrm>
             <a:off x="1080000" y="36360"/>
-            <a:ext cx="179640" cy="179640"/>
+            <a:ext cx="179280" cy="179280"/>
           </a:xfrm>
           <a:prstGeom prst="ellipse">
             <a:avLst/>
@@ -2765,7 +2765,7 @@
         <p:spPr>
           <a:xfrm>
             <a:off x="936000" y="612360"/>
-            <a:ext cx="179640" cy="179640"/>
+            <a:ext cx="179280" cy="179280"/>
           </a:xfrm>
           <a:prstGeom prst="ellipse">
             <a:avLst/>
@@ -2796,7 +2796,7 @@
         <p:spPr>
           <a:xfrm>
             <a:off x="936000" y="864360"/>
-            <a:ext cx="179640" cy="179640"/>
+            <a:ext cx="179280" cy="179280"/>
           </a:xfrm>
           <a:prstGeom prst="ellipse">
             <a:avLst/>
@@ -2827,7 +2827,7 @@
         <p:spPr>
           <a:xfrm flipH="1">
             <a:off x="1259280" y="1260360"/>
-            <a:ext cx="179640" cy="179640"/>
+            <a:ext cx="179280" cy="179280"/>
           </a:xfrm>
           <a:prstGeom prst="ellipse">
             <a:avLst/>
@@ -2858,7 +2858,7 @@
         <p:spPr>
           <a:xfrm flipH="1">
             <a:off x="1079280" y="1080360"/>
-            <a:ext cx="179640" cy="179640"/>
+            <a:ext cx="179280" cy="179280"/>
           </a:xfrm>
           <a:prstGeom prst="ellipse">
             <a:avLst/>
@@ -2889,7 +2889,7 @@
         <p:spPr>
           <a:xfrm flipH="1">
             <a:off x="1079280" y="1440360"/>
-            <a:ext cx="179640" cy="179640"/>
+            <a:ext cx="179280" cy="179280"/>
           </a:xfrm>
           <a:prstGeom prst="ellipse">
             <a:avLst/>
@@ -2920,7 +2920,7 @@
         <p:spPr>
           <a:xfrm flipH="1">
             <a:off x="935280" y="1656360"/>
-            <a:ext cx="179640" cy="179640"/>
+            <a:ext cx="179280" cy="179280"/>
           </a:xfrm>
           <a:prstGeom prst="ellipse">
             <a:avLst/>
@@ -2951,7 +2951,7 @@
         <p:spPr>
           <a:xfrm flipH="1">
             <a:off x="935280" y="1908360"/>
-            <a:ext cx="179640" cy="179640"/>
+            <a:ext cx="179280" cy="179280"/>
           </a:xfrm>
           <a:prstGeom prst="ellipse">
             <a:avLst/>
@@ -2982,7 +2982,7 @@
         <p:spPr>
           <a:xfrm>
             <a:off x="1260000" y="2304360"/>
-            <a:ext cx="179640" cy="179640"/>
+            <a:ext cx="179280" cy="179280"/>
           </a:xfrm>
           <a:prstGeom prst="ellipse">
             <a:avLst/>
@@ -3013,7 +3013,7 @@
         <p:spPr>
           <a:xfrm>
             <a:off x="1080000" y="2124360"/>
-            <a:ext cx="179640" cy="179640"/>
+            <a:ext cx="179280" cy="179280"/>
           </a:xfrm>
           <a:prstGeom prst="ellipse">
             <a:avLst/>
@@ -3044,7 +3044,7 @@
         <p:spPr>
           <a:xfrm>
             <a:off x="1080000" y="2493720"/>
-            <a:ext cx="179640" cy="179640"/>
+            <a:ext cx="179280" cy="179280"/>
           </a:xfrm>
           <a:prstGeom prst="ellipse">
             <a:avLst/>
@@ -3075,7 +3075,7 @@
         <p:spPr>
           <a:xfrm>
             <a:off x="936000" y="2709720"/>
-            <a:ext cx="179640" cy="179640"/>
+            <a:ext cx="179280" cy="179280"/>
           </a:xfrm>
           <a:prstGeom prst="ellipse">
             <a:avLst/>
@@ -3106,7 +3106,7 @@
         <p:spPr>
           <a:xfrm>
             <a:off x="936000" y="2961720"/>
-            <a:ext cx="179640" cy="179640"/>
+            <a:ext cx="179280" cy="179280"/>
           </a:xfrm>
           <a:prstGeom prst="ellipse">
             <a:avLst/>
@@ -3137,7 +3137,7 @@
         <p:spPr>
           <a:xfrm flipH="1">
             <a:off x="1259280" y="3357720"/>
-            <a:ext cx="179640" cy="179640"/>
+            <a:ext cx="179280" cy="179280"/>
           </a:xfrm>
           <a:prstGeom prst="ellipse">
             <a:avLst/>
@@ -3168,7 +3168,7 @@
         <p:spPr>
           <a:xfrm flipH="1">
             <a:off x="1098000" y="3177720"/>
-            <a:ext cx="179640" cy="179640"/>
+            <a:ext cx="179280" cy="179280"/>
           </a:xfrm>
           <a:prstGeom prst="ellipse">
             <a:avLst/>
@@ -3199,7 +3199,7 @@
         <p:spPr>
           <a:xfrm flipH="1">
             <a:off x="1088640" y="3546720"/>
-            <a:ext cx="179640" cy="179640"/>
+            <a:ext cx="179280" cy="179280"/>
           </a:xfrm>
           <a:prstGeom prst="ellipse">
             <a:avLst/>
@@ -3230,7 +3230,7 @@
         <p:spPr>
           <a:xfrm flipH="1">
             <a:off x="944640" y="3762720"/>
-            <a:ext cx="179640" cy="179640"/>
+            <a:ext cx="179280" cy="179280"/>
           </a:xfrm>
           <a:prstGeom prst="ellipse">
             <a:avLst/>
@@ -3261,7 +3261,7 @@
         <p:spPr>
           <a:xfrm flipH="1">
             <a:off x="944640" y="4014720"/>
-            <a:ext cx="179640" cy="179640"/>
+            <a:ext cx="179280" cy="179280"/>
           </a:xfrm>
           <a:prstGeom prst="ellipse">
             <a:avLst/>
@@ -3292,7 +3292,7 @@
         <p:spPr>
           <a:xfrm>
             <a:off x="1269360" y="4410720"/>
-            <a:ext cx="179640" cy="179640"/>
+            <a:ext cx="179280" cy="179280"/>
           </a:xfrm>
           <a:prstGeom prst="ellipse">
             <a:avLst/>
@@ -3323,7 +3323,7 @@
         <p:spPr>
           <a:xfrm>
             <a:off x="1089360" y="4230720"/>
-            <a:ext cx="179640" cy="179640"/>
+            <a:ext cx="179280" cy="179280"/>
           </a:xfrm>
           <a:prstGeom prst="ellipse">
             <a:avLst/>
@@ -3354,7 +3354,7 @@
         <p:spPr>
           <a:xfrm>
             <a:off x="1089360" y="4590720"/>
-            <a:ext cx="179640" cy="179640"/>
+            <a:ext cx="179280" cy="179280"/>
           </a:xfrm>
           <a:prstGeom prst="ellipse">
             <a:avLst/>
@@ -3385,7 +3385,7 @@
         <p:spPr>
           <a:xfrm>
             <a:off x="945360" y="4806720"/>
-            <a:ext cx="179640" cy="179640"/>
+            <a:ext cx="179280" cy="179280"/>
           </a:xfrm>
           <a:prstGeom prst="ellipse">
             <a:avLst/>
@@ -3416,7 +3416,7 @@
         <p:spPr>
           <a:xfrm>
             <a:off x="945360" y="5058720"/>
-            <a:ext cx="179640" cy="179640"/>
+            <a:ext cx="179280" cy="179280"/>
           </a:xfrm>
           <a:prstGeom prst="ellipse">
             <a:avLst/>
@@ -3447,7 +3447,7 @@
         <p:spPr>
           <a:xfrm flipH="1">
             <a:off x="368640" y="5454720"/>
-            <a:ext cx="179640" cy="179640"/>
+            <a:ext cx="179280" cy="179280"/>
           </a:xfrm>
           <a:prstGeom prst="ellipse">
             <a:avLst/>
@@ -3478,7 +3478,7 @@
         <p:spPr>
           <a:xfrm flipH="1">
             <a:off x="548640" y="5274720"/>
-            <a:ext cx="179640" cy="179640"/>
+            <a:ext cx="179280" cy="179280"/>
           </a:xfrm>
           <a:prstGeom prst="ellipse">
             <a:avLst/>
@@ -3509,7 +3509,7 @@
         <p:spPr>
           <a:xfrm>
             <a:off x="360000" y="216360"/>
-            <a:ext cx="179640" cy="179640"/>
+            <a:ext cx="179280" cy="179280"/>
           </a:xfrm>
           <a:prstGeom prst="ellipse">
             <a:avLst/>
@@ -3540,7 +3540,7 @@
         <p:spPr>
           <a:xfrm>
             <a:off x="540000" y="396360"/>
-            <a:ext cx="179640" cy="179640"/>
+            <a:ext cx="179280" cy="179280"/>
           </a:xfrm>
           <a:prstGeom prst="ellipse">
             <a:avLst/>
@@ -3571,7 +3571,7 @@
         <p:spPr>
           <a:xfrm>
             <a:off x="540000" y="36360"/>
-            <a:ext cx="179640" cy="179640"/>
+            <a:ext cx="179280" cy="179280"/>
           </a:xfrm>
           <a:prstGeom prst="ellipse">
             <a:avLst/>
@@ -3602,7 +3602,7 @@
         <p:spPr>
           <a:xfrm>
             <a:off x="684000" y="612360"/>
-            <a:ext cx="179640" cy="179640"/>
+            <a:ext cx="179280" cy="179280"/>
           </a:xfrm>
           <a:prstGeom prst="ellipse">
             <a:avLst/>
@@ -3633,7 +3633,7 @@
         <p:spPr>
           <a:xfrm>
             <a:off x="684000" y="864360"/>
-            <a:ext cx="179640" cy="179640"/>
+            <a:ext cx="179280" cy="179280"/>
           </a:xfrm>
           <a:prstGeom prst="ellipse">
             <a:avLst/>
@@ -3664,7 +3664,7 @@
         <p:spPr>
           <a:xfrm flipH="1">
             <a:off x="359280" y="1260360"/>
-            <a:ext cx="179640" cy="179640"/>
+            <a:ext cx="179280" cy="179280"/>
           </a:xfrm>
           <a:prstGeom prst="ellipse">
             <a:avLst/>
@@ -3695,7 +3695,7 @@
         <p:spPr>
           <a:xfrm flipH="1">
             <a:off x="539280" y="1080360"/>
-            <a:ext cx="179640" cy="179640"/>
+            <a:ext cx="179280" cy="179280"/>
           </a:xfrm>
           <a:prstGeom prst="ellipse">
             <a:avLst/>
@@ -3726,7 +3726,7 @@
         <p:spPr>
           <a:xfrm flipH="1">
             <a:off x="539280" y="1440360"/>
-            <a:ext cx="179640" cy="179640"/>
+            <a:ext cx="179280" cy="179280"/>
           </a:xfrm>
           <a:prstGeom prst="ellipse">
             <a:avLst/>
@@ -3757,7 +3757,7 @@
         <p:spPr>
           <a:xfrm flipH="1">
             <a:off x="683280" y="1656360"/>
-            <a:ext cx="179640" cy="179640"/>
+            <a:ext cx="179280" cy="179280"/>
           </a:xfrm>
           <a:prstGeom prst="ellipse">
             <a:avLst/>
@@ -3788,7 +3788,7 @@
         <p:spPr>
           <a:xfrm flipH="1">
             <a:off x="683280" y="1908360"/>
-            <a:ext cx="179640" cy="179640"/>
+            <a:ext cx="179280" cy="179280"/>
           </a:xfrm>
           <a:prstGeom prst="ellipse">
             <a:avLst/>
@@ -3819,7 +3819,7 @@
         <p:spPr>
           <a:xfrm>
             <a:off x="360000" y="2304360"/>
-            <a:ext cx="179640" cy="179640"/>
+            <a:ext cx="179280" cy="179280"/>
           </a:xfrm>
           <a:prstGeom prst="ellipse">
             <a:avLst/>
@@ -3850,7 +3850,7 @@
         <p:spPr>
           <a:xfrm>
             <a:off x="540000" y="2124360"/>
-            <a:ext cx="179640" cy="179640"/>
+            <a:ext cx="179280" cy="179280"/>
           </a:xfrm>
           <a:prstGeom prst="ellipse">
             <a:avLst/>
@@ -3881,7 +3881,7 @@
         <p:spPr>
           <a:xfrm>
             <a:off x="540000" y="2493720"/>
-            <a:ext cx="179640" cy="179640"/>
+            <a:ext cx="179280" cy="179280"/>
           </a:xfrm>
           <a:prstGeom prst="ellipse">
             <a:avLst/>
@@ -3912,7 +3912,7 @@
         <p:spPr>
           <a:xfrm>
             <a:off x="684000" y="2709720"/>
-            <a:ext cx="179640" cy="179640"/>
+            <a:ext cx="179280" cy="179280"/>
           </a:xfrm>
           <a:prstGeom prst="ellipse">
             <a:avLst/>
@@ -3943,7 +3943,7 @@
         <p:spPr>
           <a:xfrm>
             <a:off x="684000" y="2961720"/>
-            <a:ext cx="179640" cy="179640"/>
+            <a:ext cx="179280" cy="179280"/>
           </a:xfrm>
           <a:prstGeom prst="ellipse">
             <a:avLst/>
@@ -3974,7 +3974,7 @@
         <p:spPr>
           <a:xfrm flipH="1">
             <a:off x="359280" y="3357720"/>
-            <a:ext cx="179640" cy="179640"/>
+            <a:ext cx="179280" cy="179280"/>
           </a:xfrm>
           <a:prstGeom prst="ellipse">
             <a:avLst/>
@@ -4005,7 +4005,7 @@
         <p:spPr>
           <a:xfrm flipH="1">
             <a:off x="558000" y="3177720"/>
-            <a:ext cx="179640" cy="179640"/>
+            <a:ext cx="179280" cy="179280"/>
           </a:xfrm>
           <a:prstGeom prst="ellipse">
             <a:avLst/>
@@ -4036,7 +4036,7 @@
         <p:spPr>
           <a:xfrm flipH="1">
             <a:off x="548640" y="3546720"/>
-            <a:ext cx="179640" cy="179640"/>
+            <a:ext cx="179280" cy="179280"/>
           </a:xfrm>
           <a:prstGeom prst="ellipse">
             <a:avLst/>
@@ -4067,7 +4067,7 @@
         <p:spPr>
           <a:xfrm flipH="1">
             <a:off x="692640" y="3762720"/>
-            <a:ext cx="179640" cy="179640"/>
+            <a:ext cx="179280" cy="179280"/>
           </a:xfrm>
           <a:prstGeom prst="ellipse">
             <a:avLst/>
@@ -4098,7 +4098,7 @@
         <p:spPr>
           <a:xfrm flipH="1">
             <a:off x="692640" y="4014720"/>
-            <a:ext cx="179640" cy="179640"/>
+            <a:ext cx="179280" cy="179280"/>
           </a:xfrm>
           <a:prstGeom prst="ellipse">
             <a:avLst/>
@@ -4129,7 +4129,7 @@
         <p:spPr>
           <a:xfrm>
             <a:off x="369360" y="4410720"/>
-            <a:ext cx="179640" cy="179640"/>
+            <a:ext cx="179280" cy="179280"/>
           </a:xfrm>
           <a:prstGeom prst="ellipse">
             <a:avLst/>
@@ -4160,7 +4160,7 @@
         <p:spPr>
           <a:xfrm>
             <a:off x="549360" y="4230720"/>
-            <a:ext cx="179640" cy="179640"/>
+            <a:ext cx="179280" cy="179280"/>
           </a:xfrm>
           <a:prstGeom prst="ellipse">
             <a:avLst/>
@@ -4191,7 +4191,7 @@
         <p:spPr>
           <a:xfrm>
             <a:off x="549360" y="4590720"/>
-            <a:ext cx="179640" cy="179640"/>
+            <a:ext cx="179280" cy="179280"/>
           </a:xfrm>
           <a:prstGeom prst="ellipse">
             <a:avLst/>
@@ -4222,7 +4222,7 @@
         <p:spPr>
           <a:xfrm>
             <a:off x="693360" y="4806720"/>
-            <a:ext cx="179640" cy="179640"/>
+            <a:ext cx="179280" cy="179280"/>
           </a:xfrm>
           <a:prstGeom prst="ellipse">
             <a:avLst/>
@@ -4253,7 +4253,7 @@
         <p:spPr>
           <a:xfrm>
             <a:off x="693360" y="5058720"/>
-            <a:ext cx="179640" cy="179640"/>
+            <a:ext cx="179280" cy="179280"/>
           </a:xfrm>
           <a:prstGeom prst="ellipse">
             <a:avLst/>
@@ -4284,7 +4284,7 @@
         <p:spPr>
           <a:xfrm flipH="1">
             <a:off x="1268640" y="5454720"/>
-            <a:ext cx="179640" cy="179640"/>
+            <a:ext cx="179280" cy="179280"/>
           </a:xfrm>
           <a:prstGeom prst="ellipse">
             <a:avLst/>
@@ -4315,7 +4315,7 @@
         <p:spPr>
           <a:xfrm flipH="1">
             <a:off x="1088640" y="5274720"/>
-            <a:ext cx="179640" cy="179640"/>
+            <a:ext cx="179280" cy="179280"/>
           </a:xfrm>
           <a:prstGeom prst="ellipse">
             <a:avLst/>
@@ -4336,80 +4336,10 @@
           <a:effectRef idx="0"/>
           <a:fontRef idx="minor"/>
         </p:style>
-      </p:sp>
-      <p:sp>
-        <p:nvSpPr>
-          <p:cNvPr id="81" name="PlaceHolder 1"/>
-          <p:cNvSpPr>
-            <a:spLocks noGrp="1"/>
-          </p:cNvSpPr>
-          <p:nvPr>
-            <p:ph type="title"/>
-          </p:nvPr>
-        </p:nvSpPr>
-        <p:spPr>
-          <a:xfrm>
-            <a:off x="1620000" y="216000"/>
-            <a:ext cx="8099640" cy="935640"/>
-          </a:xfrm>
-          <a:prstGeom prst="rect">
-            <a:avLst/>
-          </a:prstGeom>
-          <a:noFill/>
-          <a:ln w="0">
-            <a:noFill/>
-          </a:ln>
-        </p:spPr>
-        <p:txBody>
-          <a:bodyPr lIns="0" rIns="0" tIns="0" bIns="0" anchor="ctr">
-            <a:normAutofit/>
-          </a:bodyPr>
-          <a:p>
-            <a:r>
-              <a:rPr b="0" lang="en-US" sz="1800" spc="-1" strike="noStrike">
-                <a:latin typeface="Arial"/>
-              </a:rPr>
-              <a:t>Click </a:t>
-            </a:r>
-            <a:r>
-              <a:rPr b="0" lang="en-US" sz="1800" spc="-1" strike="noStrike">
-                <a:latin typeface="Arial"/>
-              </a:rPr>
-              <a:t>to edit </a:t>
-            </a:r>
-            <a:r>
-              <a:rPr b="0" lang="en-US" sz="1800" spc="-1" strike="noStrike">
-                <a:latin typeface="Arial"/>
-              </a:rPr>
-              <a:t>the </a:t>
-            </a:r>
-            <a:r>
-              <a:rPr b="0" lang="en-US" sz="1800" spc="-1" strike="noStrike">
-                <a:latin typeface="Arial"/>
-              </a:rPr>
-              <a:t>title </a:t>
-            </a:r>
-            <a:r>
-              <a:rPr b="0" lang="en-US" sz="1800" spc="-1" strike="noStrike">
-                <a:latin typeface="Arial"/>
-              </a:rPr>
-              <a:t>text </a:t>
-            </a:r>
-            <a:r>
-              <a:rPr b="0" lang="en-US" sz="1800" spc="-1" strike="noStrike">
-                <a:latin typeface="Arial"/>
-              </a:rPr>
-              <a:t>format</a:t>
-            </a:r>
-            <a:endParaRPr b="0" lang="en-US" sz="1800" spc="-1" strike="noStrike">
-              <a:latin typeface="Arial"/>
-            </a:endParaRPr>
-          </a:p>
-        </p:txBody>
       </p:sp>
       <p:pic>
         <p:nvPicPr>
-          <p:cNvPr id="82" name="" descr=""/>
+          <p:cNvPr id="81" name="" descr=""/>
           <p:cNvPicPr/>
           <p:nvPr/>
         </p:nvPicPr>
@@ -4420,7 +4350,7 @@
         <p:spPr>
           <a:xfrm>
             <a:off x="3200400" y="1371600"/>
-            <a:ext cx="4514400" cy="2533320"/>
+            <a:ext cx="4514040" cy="2532960"/>
           </a:xfrm>
           <a:prstGeom prst="rect">
             <a:avLst/>
@@ -4430,219 +4360,36 @@
           </a:ln>
         </p:spPr>
       </p:pic>
-      <p:sp>
-        <p:nvSpPr>
-          <p:cNvPr id="83" name="PlaceHolder 2"/>
-          <p:cNvSpPr>
-            <a:spLocks noGrp="1"/>
-          </p:cNvSpPr>
-          <p:nvPr>
-            <p:ph type="body"/>
-          </p:nvPr>
-        </p:nvSpPr>
-        <p:spPr>
-          <a:xfrm>
-            <a:off x="2129400" y="2743200"/>
-            <a:ext cx="9072000" cy="3288600"/>
-          </a:xfrm>
-          <a:prstGeom prst="rect">
-            <a:avLst/>
-          </a:prstGeom>
-          <a:noFill/>
-          <a:ln w="0">
-            <a:noFill/>
-          </a:ln>
-        </p:spPr>
-        <p:txBody>
-          <a:bodyPr lIns="0" rIns="0" tIns="0" bIns="0" anchor="t">
-            <a:normAutofit/>
-          </a:bodyPr>
-          <a:p>
-            <a:pPr marL="432000" indent="-324000">
-              <a:spcBef>
-                <a:spcPts val="1417"/>
-              </a:spcBef>
-              <a:buClr>
-                <a:srgbClr val="000000"/>
-              </a:buClr>
-              <a:buSzPct val="45000"/>
-              <a:buFont typeface="Wingdings" charset="2"/>
-              <a:buChar char=""/>
-            </a:pPr>
-            <a:r>
-              <a:rPr b="0" lang="en-US" sz="3200" spc="-1" strike="noStrike">
-                <a:latin typeface="Arial"/>
-              </a:rPr>
-              <a:t>Click to edit the outline text format</a:t>
-            </a:r>
-            <a:endParaRPr b="0" lang="en-US" sz="3200" spc="-1" strike="noStrike">
-              <a:latin typeface="Arial"/>
-            </a:endParaRPr>
-          </a:p>
-          <a:p>
-            <a:pPr lvl="1" marL="864000" indent="-324000">
-              <a:spcBef>
-                <a:spcPts val="1134"/>
-              </a:spcBef>
-              <a:buClr>
-                <a:srgbClr val="000000"/>
-              </a:buClr>
-              <a:buSzPct val="75000"/>
-              <a:buFont typeface="Symbol" charset="2"/>
-              <a:buChar char=""/>
-            </a:pPr>
-            <a:r>
-              <a:rPr b="0" lang="en-US" sz="2800" spc="-1" strike="noStrike">
-                <a:latin typeface="Arial"/>
-              </a:rPr>
-              <a:t>Second Outline Level</a:t>
-            </a:r>
-            <a:endParaRPr b="0" lang="en-US" sz="2800" spc="-1" strike="noStrike">
-              <a:latin typeface="Arial"/>
-            </a:endParaRPr>
-          </a:p>
-          <a:p>
-            <a:pPr lvl="2" marL="1296000" indent="-288000">
-              <a:spcBef>
-                <a:spcPts val="850"/>
-              </a:spcBef>
-              <a:buClr>
-                <a:srgbClr val="000000"/>
-              </a:buClr>
-              <a:buSzPct val="45000"/>
-              <a:buFont typeface="Wingdings" charset="2"/>
-              <a:buChar char=""/>
-            </a:pPr>
-            <a:r>
-              <a:rPr b="0" lang="en-US" sz="2400" spc="-1" strike="noStrike">
-                <a:latin typeface="Arial"/>
-              </a:rPr>
-              <a:t>Third Outline Level</a:t>
-            </a:r>
-            <a:endParaRPr b="0" lang="en-US" sz="2400" spc="-1" strike="noStrike">
-              <a:latin typeface="Arial"/>
-            </a:endParaRPr>
-          </a:p>
-          <a:p>
-            <a:pPr lvl="3" marL="1728000" indent="-216000">
-              <a:spcBef>
-                <a:spcPts val="567"/>
-              </a:spcBef>
-              <a:buClr>
-                <a:srgbClr val="000000"/>
-              </a:buClr>
-              <a:buSzPct val="75000"/>
-              <a:buFont typeface="Symbol" charset="2"/>
-              <a:buChar char=""/>
-            </a:pPr>
-            <a:r>
-              <a:rPr b="0" lang="en-US" sz="2000" spc="-1" strike="noStrike">
-                <a:latin typeface="Arial"/>
-              </a:rPr>
-              <a:t>Fourth Outline Level</a:t>
-            </a:r>
-            <a:endParaRPr b="0" lang="en-US" sz="2000" spc="-1" strike="noStrike">
-              <a:latin typeface="Arial"/>
-            </a:endParaRPr>
-          </a:p>
-          <a:p>
-            <a:pPr lvl="4" marL="2160000" indent="-216000">
-              <a:spcBef>
-                <a:spcPts val="283"/>
-              </a:spcBef>
-              <a:buClr>
-                <a:srgbClr val="000000"/>
-              </a:buClr>
-              <a:buSzPct val="45000"/>
-              <a:buFont typeface="Wingdings" charset="2"/>
-              <a:buChar char=""/>
-            </a:pPr>
-            <a:r>
-              <a:rPr b="0" lang="en-US" sz="2000" spc="-1" strike="noStrike">
-                <a:latin typeface="Arial"/>
-              </a:rPr>
-              <a:t>Fifth Outline Level</a:t>
-            </a:r>
-            <a:endParaRPr b="0" lang="en-US" sz="2000" spc="-1" strike="noStrike">
-              <a:latin typeface="Arial"/>
-            </a:endParaRPr>
-          </a:p>
-          <a:p>
-            <a:pPr lvl="5" marL="2592000" indent="-216000">
-              <a:spcBef>
-                <a:spcPts val="283"/>
-              </a:spcBef>
-              <a:buClr>
-                <a:srgbClr val="000000"/>
-              </a:buClr>
-              <a:buSzPct val="45000"/>
-              <a:buFont typeface="Wingdings" charset="2"/>
-              <a:buChar char=""/>
-            </a:pPr>
-            <a:r>
-              <a:rPr b="0" lang="en-US" sz="2000" spc="-1" strike="noStrike">
-                <a:latin typeface="Arial"/>
-              </a:rPr>
-              <a:t>Sixth Outline Level</a:t>
-            </a:r>
-            <a:endParaRPr b="0" lang="en-US" sz="2000" spc="-1" strike="noStrike">
-              <a:latin typeface="Arial"/>
-            </a:endParaRPr>
-          </a:p>
-          <a:p>
-            <a:pPr lvl="6" marL="3024000" indent="-216000">
-              <a:spcBef>
-                <a:spcPts val="283"/>
-              </a:spcBef>
-              <a:buClr>
-                <a:srgbClr val="000000"/>
-              </a:buClr>
-              <a:buSzPct val="45000"/>
-              <a:buFont typeface="Wingdings" charset="2"/>
-              <a:buChar char=""/>
-            </a:pPr>
-            <a:r>
-              <a:rPr b="0" lang="en-US" sz="2000" spc="-1" strike="noStrike">
-                <a:latin typeface="Arial"/>
-              </a:rPr>
-              <a:t>Seventh Outline Level</a:t>
-            </a:r>
-            <a:endParaRPr b="0" lang="en-US" sz="2000" spc="-1" strike="noStrike">
-              <a:latin typeface="Arial"/>
-            </a:endParaRPr>
-          </a:p>
-        </p:txBody>
-      </p:sp>
       <p:grpSp>
         <p:nvGrpSpPr>
-          <p:cNvPr id="84" name=""/>
+          <p:cNvPr id="82" name=""/>
           <p:cNvGrpSpPr/>
           <p:nvPr/>
         </p:nvGrpSpPr>
         <p:grpSpPr>
           <a:xfrm>
             <a:off x="2082240" y="1371600"/>
-            <a:ext cx="889560" cy="365760"/>
+            <a:ext cx="660600" cy="136800"/>
             <a:chOff x="2082240" y="1371600"/>
-            <a:chExt cx="889560" cy="365760"/>
+            <a:chExt cx="660600" cy="136800"/>
           </a:xfrm>
         </p:grpSpPr>
         <p:sp>
           <p:nvSpPr>
-            <p:cNvPr id="85" name=""/>
+            <p:cNvPr id="83" name=""/>
             <p:cNvSpPr/>
             <p:nvPr/>
           </p:nvSpPr>
           <p:spPr>
             <a:xfrm>
               <a:off x="2082240" y="1371600"/>
-              <a:ext cx="660960" cy="137160"/>
+              <a:ext cx="660600" cy="136800"/>
             </a:xfrm>
             <a:custGeom>
               <a:avLst/>
               <a:gdLst/>
               <a:ahLst/>
-              <a:rect l="0" t="0" r="r" b="b"/>
+              <a:rect l="l" t="t" r="r" b="b"/>
               <a:pathLst>
                 <a:path w="1837" h="397">
                   <a:moveTo>
@@ -4681,14 +4428,244 @@
                 </a:path>
               </a:pathLst>
             </a:custGeom>
+            <a:noFill/>
             <a:ln w="0">
               <a:solidFill>
                 <a:srgbClr val="3465a4"/>
               </a:solidFill>
             </a:ln>
           </p:spPr>
+          <p:style>
+            <a:lnRef idx="0"/>
+            <a:fillRef idx="0"/>
+            <a:effectRef idx="0"/>
+            <a:fontRef idx="minor"/>
+          </p:style>
         </p:sp>
       </p:grpSp>
+      <p:sp>
+        <p:nvSpPr>
+          <p:cNvPr id="84" name="PlaceHolder 1"/>
+          <p:cNvSpPr>
+            <a:spLocks noGrp="1"/>
+          </p:cNvSpPr>
+          <p:nvPr>
+            <p:ph type="title"/>
+          </p:nvPr>
+        </p:nvSpPr>
+        <p:spPr>
+          <a:xfrm>
+            <a:off x="1620000" y="216000"/>
+            <a:ext cx="8099280" cy="935280"/>
+          </a:xfrm>
+          <a:prstGeom prst="rect">
+            <a:avLst/>
+          </a:prstGeom>
+          <a:noFill/>
+          <a:ln w="0">
+            <a:noFill/>
+          </a:ln>
+        </p:spPr>
+        <p:txBody>
+          <a:bodyPr lIns="0" rIns="0" tIns="0" bIns="0" anchor="ctr">
+            <a:noAutofit/>
+          </a:bodyPr>
+          <a:p>
+            <a:r>
+              <a:rPr b="0" lang="en-US" sz="1800" spc="-1" strike="noStrike">
+                <a:latin typeface="Arial"/>
+              </a:rPr>
+              <a:t>Click to edit the title text format</a:t>
+            </a:r>
+            <a:endParaRPr b="0" lang="en-US" sz="1800" spc="-1" strike="noStrike">
+              <a:latin typeface="Arial"/>
+            </a:endParaRPr>
+          </a:p>
+        </p:txBody>
+      </p:sp>
+      <p:sp>
+        <p:nvSpPr>
+          <p:cNvPr id="85" name="PlaceHolder 2"/>
+          <p:cNvSpPr>
+            <a:spLocks noGrp="1"/>
+          </p:cNvSpPr>
+          <p:nvPr>
+            <p:ph type="body"/>
+          </p:nvPr>
+        </p:nvSpPr>
+        <p:spPr>
+          <a:xfrm>
+            <a:off x="2129400" y="2743200"/>
+            <a:ext cx="9071640" cy="3288240"/>
+          </a:xfrm>
+          <a:prstGeom prst="rect">
+            <a:avLst/>
+          </a:prstGeom>
+          <a:noFill/>
+          <a:ln w="0">
+            <a:noFill/>
+          </a:ln>
+        </p:spPr>
+        <p:txBody>
+          <a:bodyPr lIns="0" rIns="0" tIns="0" bIns="0" anchor="t">
+            <a:normAutofit/>
+          </a:bodyPr>
+          <a:p>
+            <a:pPr marL="432000" indent="-324000">
+              <a:spcBef>
+                <a:spcPts val="1417"/>
+              </a:spcBef>
+              <a:buClr>
+                <a:srgbClr val="000000"/>
+              </a:buClr>
+              <a:buSzPct val="45000"/>
+              <a:buFont typeface="Wingdings" charset="2"/>
+              <a:buChar char=""/>
+            </a:pPr>
+            <a:r>
+              <a:rPr b="0" lang="en-US" sz="1800" spc="-1" strike="noStrike">
+                <a:latin typeface="Arial"/>
+              </a:rPr>
+              <a:t>Click to edit the outline text format</a:t>
+            </a:r>
+            <a:endParaRPr b="0" lang="en-US" sz="1800" spc="-1" strike="noStrike">
+              <a:latin typeface="Arial"/>
+            </a:endParaRPr>
+          </a:p>
+          <a:p>
+            <a:pPr lvl="1" marL="864000" indent="-324000">
+              <a:spcBef>
+                <a:spcPts val="1134"/>
+              </a:spcBef>
+              <a:buClr>
+                <a:srgbClr val="000000"/>
+              </a:buClr>
+              <a:buSzPct val="75000"/>
+              <a:buFont typeface="Symbol" charset="2"/>
+              <a:buChar char=""/>
+            </a:pPr>
+            <a:r>
+              <a:rPr b="0" lang="en-US" sz="1800" spc="-1" strike="noStrike">
+                <a:latin typeface="Arial"/>
+              </a:rPr>
+              <a:t>Second Outline Level</a:t>
+            </a:r>
+            <a:endParaRPr b="0" lang="en-US" sz="1800" spc="-1" strike="noStrike">
+              <a:latin typeface="Arial"/>
+            </a:endParaRPr>
+          </a:p>
+          <a:p>
+            <a:pPr lvl="2" marL="1296000" indent="-288000">
+              <a:spcBef>
+                <a:spcPts val="850"/>
+              </a:spcBef>
+              <a:buClr>
+                <a:srgbClr val="000000"/>
+              </a:buClr>
+              <a:buSzPct val="45000"/>
+              <a:buFont typeface="Wingdings" charset="2"/>
+              <a:buChar char=""/>
+            </a:pPr>
+            <a:r>
+              <a:rPr b="0" lang="en-US" sz="1800" spc="-1" strike="noStrike">
+                <a:latin typeface="Arial"/>
+              </a:rPr>
+              <a:t>Third Outline Level</a:t>
+            </a:r>
+            <a:endParaRPr b="0" lang="en-US" sz="1800" spc="-1" strike="noStrike">
+              <a:latin typeface="Arial"/>
+            </a:endParaRPr>
+          </a:p>
+          <a:p>
+            <a:pPr lvl="3" marL="1728000" indent="-216000">
+              <a:spcBef>
+                <a:spcPts val="567"/>
+              </a:spcBef>
+              <a:buClr>
+                <a:srgbClr val="000000"/>
+              </a:buClr>
+              <a:buSzPct val="75000"/>
+              <a:buFont typeface="Symbol" charset="2"/>
+              <a:buChar char=""/>
+            </a:pPr>
+            <a:r>
+              <a:rPr b="0" lang="en-US" sz="1800" spc="-1" strike="noStrike">
+                <a:latin typeface="Arial"/>
+              </a:rPr>
+              <a:t>Fourth Outline Level</a:t>
+            </a:r>
+            <a:endParaRPr b="0" lang="en-US" sz="1800" spc="-1" strike="noStrike">
+              <a:latin typeface="Arial"/>
+            </a:endParaRPr>
+          </a:p>
+          <a:p>
+            <a:pPr lvl="4" marL="2160000" indent="-216000">
+              <a:spcBef>
+                <a:spcPts val="283"/>
+              </a:spcBef>
+              <a:buClr>
+                <a:srgbClr val="000000"/>
+              </a:buClr>
+              <a:buSzPct val="45000"/>
+              <a:buFont typeface="Wingdings" charset="2"/>
+              <a:buChar char=""/>
+            </a:pPr>
+            <a:r>
+              <a:rPr b="0" lang="en-US" sz="1800" spc="-1" strike="noStrike">
+                <a:latin typeface="Arial"/>
+              </a:rPr>
+              <a:t>Fifth Outline Level</a:t>
+            </a:r>
+            <a:endParaRPr b="0" lang="en-US" sz="1800" spc="-1" strike="noStrike">
+              <a:latin typeface="Arial"/>
+            </a:endParaRPr>
+          </a:p>
+          <a:p>
+            <a:pPr lvl="5" marL="2592000" indent="-216000">
+              <a:spcBef>
+                <a:spcPts val="283"/>
+              </a:spcBef>
+              <a:buClr>
+                <a:srgbClr val="000000"/>
+              </a:buClr>
+              <a:buSzPct val="45000"/>
+              <a:buFont typeface="Wingdings" charset="2"/>
+              <a:buChar char=""/>
+            </a:pPr>
+            <a:r>
+              <a:rPr b="0" lang="en-US" sz="1800" spc="-1" strike="noStrike">
+                <a:latin typeface="Arial"/>
+              </a:rPr>
+              <a:t>Sixth Outline Level</a:t>
+            </a:r>
+            <a:endParaRPr b="0" lang="en-US" sz="1800" spc="-1" strike="noStrike">
+              <a:latin typeface="Arial"/>
+            </a:endParaRPr>
+          </a:p>
+          <a:p>
+            <a:pPr lvl="6" marL="3024000" indent="-216000">
+              <a:spcBef>
+                <a:spcPts val="283"/>
+              </a:spcBef>
+              <a:buClr>
+                <a:srgbClr val="000000"/>
+              </a:buClr>
+              <a:buSzPct val="45000"/>
+              <a:buFont typeface="Wingdings" charset="2"/>
+              <a:buChar char=""/>
+            </a:pPr>
+            <a:r>
+              <a:rPr b="0" lang="en-US" sz="1800" spc="-1" strike="noStrike">
+                <a:latin typeface="Arial"/>
+              </a:rPr>
+              <a:t>Seventh Outline Level</a:t>
+            </a:r>
+            <a:endParaRPr b="0" lang="en-US" sz="1800" spc="-1" strike="noStrike">
+              <a:latin typeface="Arial"/>
+            </a:endParaRPr>
+          </a:p>
+        </p:txBody>
+      </p:sp>
     </p:spTree>
   </p:cSld>
   <p:clrMap bg1="lt1" bg2="lt2" tx1="dk1" tx2="dk2" accent1="accent1" accent2="accent2" accent3="accent3" accent4="accent4" accent5="accent5" accent6="accent6" hlink="hlink" folHlink="folHlink"/>
@@ -4739,7 +4716,7 @@
         <p:spPr>
           <a:xfrm>
             <a:off x="1620000" y="216000"/>
-            <a:ext cx="8099640" cy="935640"/>
+            <a:ext cx="8099280" cy="935280"/>
           </a:xfrm>
           <a:prstGeom prst="rect">
             <a:avLst/>
@@ -4774,7 +4751,7 @@
         <p:spPr>
           <a:xfrm>
             <a:off x="1620000" y="1368000"/>
-            <a:ext cx="8099640" cy="3287880"/>
+            <a:ext cx="8099280" cy="3287520"/>
           </a:xfrm>
           <a:prstGeom prst="rect">
             <a:avLst/>
